--- a/Off-Code Changes.pptx
+++ b/Off-Code Changes.pptx
@@ -119,7 +119,7 @@
 <file path=ppt/revisionInfo.xml><?xml version="1.0" encoding="utf-8"?>
 <p1510:revInfo xmlns:a="http://schemas.openxmlformats.org/drawingml/2006/main" xmlns:r="http://schemas.openxmlformats.org/officeDocument/2006/relationships" xmlns:p1510="http://schemas.microsoft.com/office/powerpoint/2015/10/main">
   <p1510:revLst>
-    <p1510:client id="{4DED4C8B-E1F7-467C-9A1B-B4461A6FEB3B}" v="11" dt="2021-05-25T00:17:01.666"/>
+    <p1510:client id="{4DED4C8B-E1F7-467C-9A1B-B4461A6FEB3B}" v="20" dt="2021-05-25T02:07:57.630"/>
   </p1510:revLst>
 </p1510:revInfo>
 </file>
@@ -129,18 +129,18 @@
   <pc:docChgLst>
     <pc:chgData name="Sebastian Ocampo Palacios" userId="2317f3a24a4e3b51" providerId="LiveId" clId="{4DED4C8B-E1F7-467C-9A1B-B4461A6FEB3B}"/>
     <pc:docChg chg="undo redo custSel addSld modSld sldOrd">
-      <pc:chgData name="Sebastian Ocampo Palacios" userId="2317f3a24a4e3b51" providerId="LiveId" clId="{4DED4C8B-E1F7-467C-9A1B-B4461A6FEB3B}" dt="2021-05-25T00:18:05.702" v="353" actId="20577"/>
+      <pc:chgData name="Sebastian Ocampo Palacios" userId="2317f3a24a4e3b51" providerId="LiveId" clId="{4DED4C8B-E1F7-467C-9A1B-B4461A6FEB3B}" dt="2021-05-25T02:12:43.295" v="657" actId="1076"/>
       <pc:docMkLst>
         <pc:docMk/>
       </pc:docMkLst>
       <pc:sldChg chg="addSp delSp modSp mod">
-        <pc:chgData name="Sebastian Ocampo Palacios" userId="2317f3a24a4e3b51" providerId="LiveId" clId="{4DED4C8B-E1F7-467C-9A1B-B4461A6FEB3B}" dt="2021-05-24T23:58:09.809" v="259" actId="207"/>
+        <pc:chgData name="Sebastian Ocampo Palacios" userId="2317f3a24a4e3b51" providerId="LiveId" clId="{4DED4C8B-E1F7-467C-9A1B-B4461A6FEB3B}" dt="2021-05-25T02:07:50.080" v="652" actId="164"/>
         <pc:sldMkLst>
           <pc:docMk/>
           <pc:sldMk cId="2675530756" sldId="256"/>
         </pc:sldMkLst>
-        <pc:spChg chg="add mod">
-          <ac:chgData name="Sebastian Ocampo Palacios" userId="2317f3a24a4e3b51" providerId="LiveId" clId="{4DED4C8B-E1F7-467C-9A1B-B4461A6FEB3B}" dt="2021-05-24T23:57:11.937" v="198" actId="164"/>
+        <pc:spChg chg="add mod topLvl">
+          <ac:chgData name="Sebastian Ocampo Palacios" userId="2317f3a24a4e3b51" providerId="LiveId" clId="{4DED4C8B-E1F7-467C-9A1B-B4461A6FEB3B}" dt="2021-05-25T02:07:50.080" v="652" actId="164"/>
           <ac:spMkLst>
             <pc:docMk/>
             <pc:sldMk cId="2675530756" sldId="256"/>
@@ -148,7 +148,7 @@
           </ac:spMkLst>
         </pc:spChg>
         <pc:spChg chg="mod topLvl">
-          <ac:chgData name="Sebastian Ocampo Palacios" userId="2317f3a24a4e3b51" providerId="LiveId" clId="{4DED4C8B-E1F7-467C-9A1B-B4461A6FEB3B}" dt="2021-05-24T23:57:11.937" v="198" actId="164"/>
+          <ac:chgData name="Sebastian Ocampo Palacios" userId="2317f3a24a4e3b51" providerId="LiveId" clId="{4DED4C8B-E1F7-467C-9A1B-B4461A6FEB3B}" dt="2021-05-25T02:07:50.080" v="652" actId="164"/>
           <ac:spMkLst>
             <pc:docMk/>
             <pc:sldMk cId="2675530756" sldId="256"/>
@@ -156,31 +156,31 @@
           </ac:spMkLst>
         </pc:spChg>
         <pc:spChg chg="mod topLvl">
-          <ac:chgData name="Sebastian Ocampo Palacios" userId="2317f3a24a4e3b51" providerId="LiveId" clId="{4DED4C8B-E1F7-467C-9A1B-B4461A6FEB3B}" dt="2021-05-24T23:57:11.937" v="198" actId="164"/>
+          <ac:chgData name="Sebastian Ocampo Palacios" userId="2317f3a24a4e3b51" providerId="LiveId" clId="{4DED4C8B-E1F7-467C-9A1B-B4461A6FEB3B}" dt="2021-05-25T02:07:50.080" v="652" actId="164"/>
           <ac:spMkLst>
             <pc:docMk/>
             <pc:sldMk cId="2675530756" sldId="256"/>
             <ac:spMk id="8" creationId="{DE5B6926-79AF-441A-AC03-0B060CF7BA3E}"/>
           </ac:spMkLst>
         </pc:spChg>
-        <pc:spChg chg="add mod ord">
-          <ac:chgData name="Sebastian Ocampo Palacios" userId="2317f3a24a4e3b51" providerId="LiveId" clId="{4DED4C8B-E1F7-467C-9A1B-B4461A6FEB3B}" dt="2021-05-24T23:57:11.937" v="198" actId="164"/>
+        <pc:spChg chg="add mod ord topLvl">
+          <ac:chgData name="Sebastian Ocampo Palacios" userId="2317f3a24a4e3b51" providerId="LiveId" clId="{4DED4C8B-E1F7-467C-9A1B-B4461A6FEB3B}" dt="2021-05-25T02:07:50.080" v="652" actId="164"/>
           <ac:spMkLst>
             <pc:docMk/>
             <pc:sldMk cId="2675530756" sldId="256"/>
             <ac:spMk id="9" creationId="{3E12F113-6FBD-4028-8D78-8FC94C242EE1}"/>
           </ac:spMkLst>
         </pc:spChg>
-        <pc:spChg chg="add mod">
-          <ac:chgData name="Sebastian Ocampo Palacios" userId="2317f3a24a4e3b51" providerId="LiveId" clId="{4DED4C8B-E1F7-467C-9A1B-B4461A6FEB3B}" dt="2021-05-24T23:57:11.937" v="198" actId="164"/>
+        <pc:spChg chg="add mod topLvl">
+          <ac:chgData name="Sebastian Ocampo Palacios" userId="2317f3a24a4e3b51" providerId="LiveId" clId="{4DED4C8B-E1F7-467C-9A1B-B4461A6FEB3B}" dt="2021-05-25T02:07:50.080" v="652" actId="164"/>
           <ac:spMkLst>
             <pc:docMk/>
             <pc:sldMk cId="2675530756" sldId="256"/>
             <ac:spMk id="10" creationId="{EA075B71-22E8-4B4B-BA1D-AEAD160A243E}"/>
           </ac:spMkLst>
         </pc:spChg>
-        <pc:spChg chg="add mod">
-          <ac:chgData name="Sebastian Ocampo Palacios" userId="2317f3a24a4e3b51" providerId="LiveId" clId="{4DED4C8B-E1F7-467C-9A1B-B4461A6FEB3B}" dt="2021-05-24T23:57:11.937" v="198" actId="164"/>
+        <pc:spChg chg="add mod topLvl">
+          <ac:chgData name="Sebastian Ocampo Palacios" userId="2317f3a24a4e3b51" providerId="LiveId" clId="{4DED4C8B-E1F7-467C-9A1B-B4461A6FEB3B}" dt="2021-05-25T02:07:50.080" v="652" actId="164"/>
           <ac:spMkLst>
             <pc:docMk/>
             <pc:sldMk cId="2675530756" sldId="256"/>
@@ -188,19 +188,35 @@
           </ac:spMkLst>
         </pc:spChg>
         <pc:spChg chg="mod topLvl">
-          <ac:chgData name="Sebastian Ocampo Palacios" userId="2317f3a24a4e3b51" providerId="LiveId" clId="{4DED4C8B-E1F7-467C-9A1B-B4461A6FEB3B}" dt="2021-05-24T23:58:09.809" v="259" actId="207"/>
+          <ac:chgData name="Sebastian Ocampo Palacios" userId="2317f3a24a4e3b51" providerId="LiveId" clId="{4DED4C8B-E1F7-467C-9A1B-B4461A6FEB3B}" dt="2021-05-25T02:07:50.080" v="652" actId="164"/>
           <ac:spMkLst>
             <pc:docMk/>
             <pc:sldMk cId="2675530756" sldId="256"/>
             <ac:spMk id="12" creationId="{A52E7086-72AD-4CC2-AAF3-C164C6CFD1DC}"/>
           </ac:spMkLst>
         </pc:spChg>
-        <pc:grpChg chg="add mod">
-          <ac:chgData name="Sebastian Ocampo Palacios" userId="2317f3a24a4e3b51" providerId="LiveId" clId="{4DED4C8B-E1F7-467C-9A1B-B4461A6FEB3B}" dt="2021-05-24T23:57:11.937" v="198" actId="164"/>
+        <pc:grpChg chg="add del mod">
+          <ac:chgData name="Sebastian Ocampo Palacios" userId="2317f3a24a4e3b51" providerId="LiveId" clId="{4DED4C8B-E1F7-467C-9A1B-B4461A6FEB3B}" dt="2021-05-25T01:56:36.390" v="354" actId="165"/>
           <ac:grpSpMkLst>
             <pc:docMk/>
             <pc:sldMk cId="2675530756" sldId="256"/>
             <ac:grpSpMk id="3" creationId="{1BA8B7E1-DC5B-4C3C-8F13-4ACC3ECB93F4}"/>
+          </ac:grpSpMkLst>
+        </pc:grpChg>
+        <pc:grpChg chg="add del mod">
+          <ac:chgData name="Sebastian Ocampo Palacios" userId="2317f3a24a4e3b51" providerId="LiveId" clId="{4DED4C8B-E1F7-467C-9A1B-B4461A6FEB3B}" dt="2021-05-25T02:05:28.758" v="502" actId="165"/>
+          <ac:grpSpMkLst>
+            <pc:docMk/>
+            <pc:sldMk cId="2675530756" sldId="256"/>
+            <ac:grpSpMk id="4" creationId="{AA77A5E4-4DA3-45DF-80E7-09CE1EE1EA05}"/>
+          </ac:grpSpMkLst>
+        </pc:grpChg>
+        <pc:grpChg chg="add mod">
+          <ac:chgData name="Sebastian Ocampo Palacios" userId="2317f3a24a4e3b51" providerId="LiveId" clId="{4DED4C8B-E1F7-467C-9A1B-B4461A6FEB3B}" dt="2021-05-25T02:07:50.080" v="652" actId="164"/>
+          <ac:grpSpMkLst>
+            <pc:docMk/>
+            <pc:sldMk cId="2675530756" sldId="256"/>
+            <ac:grpSpMk id="7" creationId="{F49EB5B3-B3F1-4091-9316-77530E36B4C5}"/>
           </ac:grpSpMkLst>
         </pc:grpChg>
         <pc:grpChg chg="del">
@@ -212,7 +228,7 @@
           </ac:grpSpMkLst>
         </pc:grpChg>
         <pc:picChg chg="mod topLvl modCrop">
-          <ac:chgData name="Sebastian Ocampo Palacios" userId="2317f3a24a4e3b51" providerId="LiveId" clId="{4DED4C8B-E1F7-467C-9A1B-B4461A6FEB3B}" dt="2021-05-24T23:57:11.937" v="198" actId="164"/>
+          <ac:chgData name="Sebastian Ocampo Palacios" userId="2317f3a24a4e3b51" providerId="LiveId" clId="{4DED4C8B-E1F7-467C-9A1B-B4461A6FEB3B}" dt="2021-05-25T02:07:50.080" v="652" actId="164"/>
           <ac:picMkLst>
             <pc:docMk/>
             <pc:sldMk cId="2675530756" sldId="256"/>
@@ -220,7 +236,7 @@
           </ac:picMkLst>
         </pc:picChg>
         <pc:picChg chg="mod topLvl modCrop">
-          <ac:chgData name="Sebastian Ocampo Palacios" userId="2317f3a24a4e3b51" providerId="LiveId" clId="{4DED4C8B-E1F7-467C-9A1B-B4461A6FEB3B}" dt="2021-05-24T23:57:11.937" v="198" actId="164"/>
+          <ac:chgData name="Sebastian Ocampo Palacios" userId="2317f3a24a4e3b51" providerId="LiveId" clId="{4DED4C8B-E1F7-467C-9A1B-B4461A6FEB3B}" dt="2021-05-25T02:07:50.080" v="652" actId="164"/>
           <ac:picMkLst>
             <pc:docMk/>
             <pc:sldMk cId="2675530756" sldId="256"/>
@@ -229,17 +245,113 @@
         </pc:picChg>
       </pc:sldChg>
       <pc:sldChg chg="addSp delSp modSp mod">
-        <pc:chgData name="Sebastian Ocampo Palacios" userId="2317f3a24a4e3b51" providerId="LiveId" clId="{4DED4C8B-E1F7-467C-9A1B-B4461A6FEB3B}" dt="2021-05-24T23:59:05.769" v="264" actId="1076"/>
+        <pc:chgData name="Sebastian Ocampo Palacios" userId="2317f3a24a4e3b51" providerId="LiveId" clId="{4DED4C8B-E1F7-467C-9A1B-B4461A6FEB3B}" dt="2021-05-25T02:12:43.295" v="657" actId="1076"/>
         <pc:sldMkLst>
           <pc:docMk/>
           <pc:sldMk cId="128207752" sldId="258"/>
         </pc:sldMkLst>
-        <pc:picChg chg="add mod">
-          <ac:chgData name="Sebastian Ocampo Palacios" userId="2317f3a24a4e3b51" providerId="LiveId" clId="{4DED4C8B-E1F7-467C-9A1B-B4461A6FEB3B}" dt="2021-05-24T23:59:05.769" v="264" actId="1076"/>
+        <pc:spChg chg="mod">
+          <ac:chgData name="Sebastian Ocampo Palacios" userId="2317f3a24a4e3b51" providerId="LiveId" clId="{4DED4C8B-E1F7-467C-9A1B-B4461A6FEB3B}" dt="2021-05-25T01:59:56.997" v="498"/>
+          <ac:spMkLst>
+            <pc:docMk/>
+            <pc:sldMk cId="128207752" sldId="258"/>
+            <ac:spMk id="5" creationId="{30D21A47-F93F-4A99-B615-CCEA87FC5B38}"/>
+          </ac:spMkLst>
+        </pc:spChg>
+        <pc:spChg chg="mod">
+          <ac:chgData name="Sebastian Ocampo Palacios" userId="2317f3a24a4e3b51" providerId="LiveId" clId="{4DED4C8B-E1F7-467C-9A1B-B4461A6FEB3B}" dt="2021-05-25T01:59:56.997" v="498"/>
+          <ac:spMkLst>
+            <pc:docMk/>
+            <pc:sldMk cId="128207752" sldId="258"/>
+            <ac:spMk id="6" creationId="{121B545A-99C3-4F2B-91B5-1B9447B3B8F5}"/>
+          </ac:spMkLst>
+        </pc:spChg>
+        <pc:spChg chg="mod">
+          <ac:chgData name="Sebastian Ocampo Palacios" userId="2317f3a24a4e3b51" providerId="LiveId" clId="{4DED4C8B-E1F7-467C-9A1B-B4461A6FEB3B}" dt="2021-05-25T01:59:56.997" v="498"/>
+          <ac:spMkLst>
+            <pc:docMk/>
+            <pc:sldMk cId="128207752" sldId="258"/>
+            <ac:spMk id="7" creationId="{B484FA60-4F5B-4C80-9512-8BABD8FFBDE7}"/>
+          </ac:spMkLst>
+        </pc:spChg>
+        <pc:spChg chg="mod">
+          <ac:chgData name="Sebastian Ocampo Palacios" userId="2317f3a24a4e3b51" providerId="LiveId" clId="{4DED4C8B-E1F7-467C-9A1B-B4461A6FEB3B}" dt="2021-05-25T01:59:56.997" v="498"/>
+          <ac:spMkLst>
+            <pc:docMk/>
+            <pc:sldMk cId="128207752" sldId="258"/>
+            <ac:spMk id="9" creationId="{781F8AE5-9B15-4A94-8C4B-307694C3582D}"/>
+          </ac:spMkLst>
+        </pc:spChg>
+        <pc:spChg chg="mod">
+          <ac:chgData name="Sebastian Ocampo Palacios" userId="2317f3a24a4e3b51" providerId="LiveId" clId="{4DED4C8B-E1F7-467C-9A1B-B4461A6FEB3B}" dt="2021-05-25T01:59:56.997" v="498"/>
+          <ac:spMkLst>
+            <pc:docMk/>
+            <pc:sldMk cId="128207752" sldId="258"/>
+            <ac:spMk id="10" creationId="{6C229BB0-B524-4330-8325-8F6CFBED073E}"/>
+          </ac:spMkLst>
+        </pc:spChg>
+        <pc:spChg chg="mod">
+          <ac:chgData name="Sebastian Ocampo Palacios" userId="2317f3a24a4e3b51" providerId="LiveId" clId="{4DED4C8B-E1F7-467C-9A1B-B4461A6FEB3B}" dt="2021-05-25T01:59:56.997" v="498"/>
+          <ac:spMkLst>
+            <pc:docMk/>
+            <pc:sldMk cId="128207752" sldId="258"/>
+            <ac:spMk id="11" creationId="{122BFE1D-EE95-42CC-95D3-EB4640938753}"/>
+          </ac:spMkLst>
+        </pc:spChg>
+        <pc:spChg chg="mod">
+          <ac:chgData name="Sebastian Ocampo Palacios" userId="2317f3a24a4e3b51" providerId="LiveId" clId="{4DED4C8B-E1F7-467C-9A1B-B4461A6FEB3B}" dt="2021-05-25T01:59:56.997" v="498"/>
+          <ac:spMkLst>
+            <pc:docMk/>
+            <pc:sldMk cId="128207752" sldId="258"/>
+            <ac:spMk id="12" creationId="{2C524763-B065-477D-ABCA-8215270D7096}"/>
+          </ac:spMkLst>
+        </pc:spChg>
+        <pc:grpChg chg="add del mod">
+          <ac:chgData name="Sebastian Ocampo Palacios" userId="2317f3a24a4e3b51" providerId="LiveId" clId="{4DED4C8B-E1F7-467C-9A1B-B4461A6FEB3B}" dt="2021-05-25T01:59:58.134" v="499"/>
+          <ac:grpSpMkLst>
+            <pc:docMk/>
+            <pc:sldMk cId="128207752" sldId="258"/>
+            <ac:grpSpMk id="3" creationId="{1AD444FA-2B90-4AD6-9C6D-E34AA93D1C5D}"/>
+          </ac:grpSpMkLst>
+        </pc:grpChg>
+        <pc:picChg chg="add del mod">
+          <ac:chgData name="Sebastian Ocampo Palacios" userId="2317f3a24a4e3b51" providerId="LiveId" clId="{4DED4C8B-E1F7-467C-9A1B-B4461A6FEB3B}" dt="2021-05-25T01:59:56.813" v="497" actId="478"/>
           <ac:picMkLst>
             <pc:docMk/>
             <pc:sldMk cId="128207752" sldId="258"/>
             <ac:picMk id="2" creationId="{79C706FA-5934-4CBD-B9AA-5FC9F277C0DB}"/>
+          </ac:picMkLst>
+        </pc:picChg>
+        <pc:picChg chg="mod">
+          <ac:chgData name="Sebastian Ocampo Palacios" userId="2317f3a24a4e3b51" providerId="LiveId" clId="{4DED4C8B-E1F7-467C-9A1B-B4461A6FEB3B}" dt="2021-05-25T01:59:56.997" v="498"/>
+          <ac:picMkLst>
+            <pc:docMk/>
+            <pc:sldMk cId="128207752" sldId="258"/>
+            <ac:picMk id="4" creationId="{08425A40-E57B-4023-BB1A-BECB838E23DB}"/>
+          </ac:picMkLst>
+        </pc:picChg>
+        <pc:picChg chg="mod">
+          <ac:chgData name="Sebastian Ocampo Palacios" userId="2317f3a24a4e3b51" providerId="LiveId" clId="{4DED4C8B-E1F7-467C-9A1B-B4461A6FEB3B}" dt="2021-05-25T01:59:56.997" v="498"/>
+          <ac:picMkLst>
+            <pc:docMk/>
+            <pc:sldMk cId="128207752" sldId="258"/>
+            <ac:picMk id="8" creationId="{0735DCC3-18B2-435B-B68B-1E1C4BC99007}"/>
+          </ac:picMkLst>
+        </pc:picChg>
+        <pc:picChg chg="add del mod">
+          <ac:chgData name="Sebastian Ocampo Palacios" userId="2317f3a24a4e3b51" providerId="LiveId" clId="{4DED4C8B-E1F7-467C-9A1B-B4461A6FEB3B}" dt="2021-05-25T02:07:54.014" v="654" actId="478"/>
+          <ac:picMkLst>
+            <pc:docMk/>
+            <pc:sldMk cId="128207752" sldId="258"/>
+            <ac:picMk id="13" creationId="{7A8611D1-8D30-42BD-95C9-C646DA92FD42}"/>
+          </ac:picMkLst>
+        </pc:picChg>
+        <pc:picChg chg="add mod">
+          <ac:chgData name="Sebastian Ocampo Palacios" userId="2317f3a24a4e3b51" providerId="LiveId" clId="{4DED4C8B-E1F7-467C-9A1B-B4461A6FEB3B}" dt="2021-05-25T02:12:43.295" v="657" actId="1076"/>
+          <ac:picMkLst>
+            <pc:docMk/>
+            <pc:sldMk cId="128207752" sldId="258"/>
+            <ac:picMk id="14" creationId="{EB1D508E-E96E-4B01-BC9C-C703EE4FB29B}"/>
           </ac:picMkLst>
         </pc:picChg>
         <pc:picChg chg="del mod">
@@ -4604,10 +4716,10 @@
       </p:grpSpPr>
       <p:grpSp>
         <p:nvGrpSpPr>
-          <p:cNvPr id="3" name="Grupo 2">
-            <a:extLst>
-              <a:ext uri="{FF2B5EF4-FFF2-40B4-BE49-F238E27FC236}">
-                <a16:creationId xmlns:a16="http://schemas.microsoft.com/office/drawing/2014/main" id="{1BA8B7E1-DC5B-4C3C-8F13-4ACC3ECB93F4}"/>
+          <p:cNvPr id="7" name="Grupo 6">
+            <a:extLst>
+              <a:ext uri="{FF2B5EF4-FFF2-40B4-BE49-F238E27FC236}">
+                <a16:creationId xmlns:a16="http://schemas.microsoft.com/office/drawing/2014/main" id="{F49EB5B3-B3F1-4091-9316-77530E36B4C5}"/>
               </a:ext>
             </a:extLst>
           </p:cNvPr>
@@ -4617,9 +4729,9 @@
         <p:grpSpPr>
           <a:xfrm>
             <a:off x="2057399" y="95250"/>
-            <a:ext cx="7877175" cy="6141067"/>
+            <a:ext cx="7877175" cy="6360142"/>
             <a:chOff x="2057399" y="95250"/>
-            <a:chExt cx="7877175" cy="6141067"/>
+            <a:chExt cx="7877175" cy="6360142"/>
           </a:xfrm>
         </p:grpSpPr>
         <p:pic>
@@ -4636,7 +4748,7 @@
             </p:cNvPicPr>
             <p:nvPr/>
           </p:nvPicPr>
-          <p:blipFill rotWithShape="1">
+          <p:blipFill>
             <a:blip r:embed="rId2">
               <a:extLst>
                 <a:ext uri="{28A0092B-C50C-407E-A947-70E740481C1C}">
@@ -4644,13 +4756,13 @@
                 </a:ext>
               </a:extLst>
             </a:blip>
-            <a:srcRect l="780" t="2752"/>
+            <a:srcRect l="2346" r="2346"/>
             <a:stretch/>
           </p:blipFill>
           <p:spPr>
             <a:xfrm>
-              <a:off x="2057399" y="936817"/>
-              <a:ext cx="7877175" cy="4721032"/>
+              <a:off x="2057399" y="840757"/>
+              <a:ext cx="7877175" cy="5036167"/>
             </a:xfrm>
             <a:prstGeom prst="rect">
               <a:avLst/>
@@ -4716,7 +4828,7 @@
           <p:spPr>
             <a:xfrm>
               <a:off x="2190749" y="413335"/>
-              <a:ext cx="7515225" cy="523220"/>
+              <a:ext cx="7515225" cy="738664"/>
             </a:xfrm>
             <a:prstGeom prst="rect">
               <a:avLst/>
@@ -4734,7 +4846,161 @@
                   <a:latin typeface="Roboto Condensed" pitchFamily="2" charset="0"/>
                   <a:ea typeface="Roboto Condensed" pitchFamily="2" charset="0"/>
                 </a:rPr>
-                <a:t>A visual analysis of the relationship between internal public debt and the loan market in Mexico during the 2008 and 2020 economic crises.</a:t>
+                <a:t>A visual analysis of the relationship between internal public debt and the loan market in Mexico during the 2008 and 2020 </a:t>
+              </a:r>
+              <a:r>
+                <a:rPr lang="es-MX" sz="1400" dirty="0" err="1">
+                  <a:latin typeface="Roboto Condensed" pitchFamily="2" charset="0"/>
+                  <a:ea typeface="Roboto Condensed" pitchFamily="2" charset="0"/>
+                </a:rPr>
+                <a:t>economic</a:t>
+              </a:r>
+              <a:r>
+                <a:rPr lang="es-MX" sz="1400" dirty="0">
+                  <a:latin typeface="Roboto Condensed" pitchFamily="2" charset="0"/>
+                  <a:ea typeface="Roboto Condensed" pitchFamily="2" charset="0"/>
+                </a:rPr>
+                <a:t> crises: no </a:t>
+              </a:r>
+              <a:r>
+                <a:rPr lang="es-MX" sz="1400" dirty="0" err="1">
+                  <a:latin typeface="Roboto Condensed" pitchFamily="2" charset="0"/>
+                  <a:ea typeface="Roboto Condensed" pitchFamily="2" charset="0"/>
+                </a:rPr>
+                <a:t>relevant</a:t>
+              </a:r>
+              <a:r>
+                <a:rPr lang="es-MX" sz="1400" dirty="0">
+                  <a:latin typeface="Roboto Condensed" pitchFamily="2" charset="0"/>
+                  <a:ea typeface="Roboto Condensed" pitchFamily="2" charset="0"/>
+                </a:rPr>
+                <a:t> </a:t>
+              </a:r>
+              <a:r>
+                <a:rPr lang="es-MX" sz="1400" dirty="0" err="1">
+                  <a:latin typeface="Roboto Condensed" pitchFamily="2" charset="0"/>
+                  <a:ea typeface="Roboto Condensed" pitchFamily="2" charset="0"/>
+                </a:rPr>
+                <a:t>changes</a:t>
+              </a:r>
+              <a:r>
+                <a:rPr lang="es-MX" sz="1400" dirty="0">
+                  <a:latin typeface="Roboto Condensed" pitchFamily="2" charset="0"/>
+                  <a:ea typeface="Roboto Condensed" pitchFamily="2" charset="0"/>
+                </a:rPr>
+                <a:t> in </a:t>
+              </a:r>
+              <a:r>
+                <a:rPr lang="es-MX" sz="1400" dirty="0" err="1">
+                  <a:latin typeface="Roboto Condensed" pitchFamily="2" charset="0"/>
+                  <a:ea typeface="Roboto Condensed" pitchFamily="2" charset="0"/>
+                </a:rPr>
+                <a:t>variation</a:t>
+              </a:r>
+              <a:r>
+                <a:rPr lang="es-MX" sz="1400" dirty="0">
+                  <a:latin typeface="Roboto Condensed" pitchFamily="2" charset="0"/>
+                  <a:ea typeface="Roboto Condensed" pitchFamily="2" charset="0"/>
+                </a:rPr>
+                <a:t> </a:t>
+              </a:r>
+              <a:r>
+                <a:rPr lang="es-MX" sz="1400" dirty="0" err="1">
+                  <a:latin typeface="Roboto Condensed" pitchFamily="2" charset="0"/>
+                  <a:ea typeface="Roboto Condensed" pitchFamily="2" charset="0"/>
+                </a:rPr>
+                <a:t>patterns</a:t>
+              </a:r>
+              <a:r>
+                <a:rPr lang="es-MX" sz="1400" dirty="0">
+                  <a:latin typeface="Roboto Condensed" pitchFamily="2" charset="0"/>
+                  <a:ea typeface="Roboto Condensed" pitchFamily="2" charset="0"/>
+                </a:rPr>
+                <a:t> are </a:t>
+              </a:r>
+              <a:r>
+                <a:rPr lang="es-MX" sz="1400" dirty="0" err="1">
+                  <a:latin typeface="Roboto Condensed" pitchFamily="2" charset="0"/>
+                  <a:ea typeface="Roboto Condensed" pitchFamily="2" charset="0"/>
+                </a:rPr>
+                <a:t>observed</a:t>
+              </a:r>
+              <a:r>
+                <a:rPr lang="es-MX" sz="1400" dirty="0">
+                  <a:latin typeface="Roboto Condensed" pitchFamily="2" charset="0"/>
+                  <a:ea typeface="Roboto Condensed" pitchFamily="2" charset="0"/>
+                </a:rPr>
+                <a:t> </a:t>
+              </a:r>
+              <a:r>
+                <a:rPr lang="es-MX" sz="1400" dirty="0" err="1">
+                  <a:latin typeface="Roboto Condensed" pitchFamily="2" charset="0"/>
+                  <a:ea typeface="Roboto Condensed" pitchFamily="2" charset="0"/>
+                </a:rPr>
+                <a:t>during</a:t>
+              </a:r>
+              <a:r>
+                <a:rPr lang="es-MX" sz="1400" dirty="0">
+                  <a:latin typeface="Roboto Condensed" pitchFamily="2" charset="0"/>
+                  <a:ea typeface="Roboto Condensed" pitchFamily="2" charset="0"/>
+                </a:rPr>
+                <a:t> </a:t>
+              </a:r>
+              <a:r>
+                <a:rPr lang="es-MX" sz="1400" dirty="0" err="1">
+                  <a:latin typeface="Roboto Condensed" pitchFamily="2" charset="0"/>
+                  <a:ea typeface="Roboto Condensed" pitchFamily="2" charset="0"/>
+                </a:rPr>
+                <a:t>the</a:t>
+              </a:r>
+              <a:r>
+                <a:rPr lang="es-MX" sz="1400" dirty="0">
+                  <a:latin typeface="Roboto Condensed" pitchFamily="2" charset="0"/>
+                  <a:ea typeface="Roboto Condensed" pitchFamily="2" charset="0"/>
+                </a:rPr>
+                <a:t> COVID-19 crisis </a:t>
+              </a:r>
+              <a:r>
+                <a:rPr lang="es-MX" sz="1400" dirty="0" err="1">
+                  <a:latin typeface="Roboto Condensed" pitchFamily="2" charset="0"/>
+                  <a:ea typeface="Roboto Condensed" pitchFamily="2" charset="0"/>
+                </a:rPr>
+                <a:t>unlike</a:t>
+              </a:r>
+              <a:r>
+                <a:rPr lang="es-MX" sz="1400" dirty="0">
+                  <a:latin typeface="Roboto Condensed" pitchFamily="2" charset="0"/>
+                  <a:ea typeface="Roboto Condensed" pitchFamily="2" charset="0"/>
+                </a:rPr>
+                <a:t> </a:t>
+              </a:r>
+              <a:r>
+                <a:rPr lang="es-MX" sz="1400" dirty="0" err="1">
+                  <a:latin typeface="Roboto Condensed" pitchFamily="2" charset="0"/>
+                  <a:ea typeface="Roboto Condensed" pitchFamily="2" charset="0"/>
+                </a:rPr>
+                <a:t>the</a:t>
+              </a:r>
+              <a:r>
+                <a:rPr lang="es-MX" sz="1400" dirty="0">
+                  <a:latin typeface="Roboto Condensed" pitchFamily="2" charset="0"/>
+                  <a:ea typeface="Roboto Condensed" pitchFamily="2" charset="0"/>
+                </a:rPr>
+                <a:t> 2008 </a:t>
+              </a:r>
+              <a:r>
+                <a:rPr lang="es-MX" sz="1400" dirty="0" err="1">
+                  <a:latin typeface="Roboto Condensed" pitchFamily="2" charset="0"/>
+                  <a:ea typeface="Roboto Condensed" pitchFamily="2" charset="0"/>
+                </a:rPr>
+                <a:t>financial</a:t>
+              </a:r>
+              <a:r>
+                <a:rPr lang="es-MX" sz="1400" dirty="0">
+                  <a:latin typeface="Roboto Condensed" pitchFamily="2" charset="0"/>
+                  <a:ea typeface="Roboto Condensed" pitchFamily="2" charset="0"/>
+                </a:rPr>
+                <a:t> crisis.</a:t>
               </a:r>
             </a:p>
           </p:txBody>
@@ -4753,8 +5019,8 @@
           </p:nvSpPr>
           <p:spPr>
             <a:xfrm rot="10800000" flipV="1">
-              <a:off x="2224087" y="5405320"/>
-              <a:ext cx="7448548" cy="830997"/>
+              <a:off x="2224087" y="5624395"/>
+              <a:ext cx="7596188" cy="830997"/>
             </a:xfrm>
             <a:prstGeom prst="rect">
               <a:avLst/>
@@ -4775,11 +5041,186 @@
                 <a:t>Methodological Note: </a:t>
               </a:r>
               <a:r>
+                <a:rPr lang="es-MX" sz="1200" dirty="0" err="1">
+                  <a:latin typeface="Roboto Condensed" pitchFamily="2" charset="0"/>
+                  <a:ea typeface="Roboto Condensed" pitchFamily="2" charset="0"/>
+                </a:rPr>
+                <a:t>Seasonal</a:t>
+              </a:r>
+              <a:r>
                 <a:rPr lang="es-MX" sz="1200" dirty="0">
                   <a:latin typeface="Roboto Condensed" pitchFamily="2" charset="0"/>
                   <a:ea typeface="Roboto Condensed" pitchFamily="2" charset="0"/>
                 </a:rPr>
-                <a:t>Deseasonalized and adjusted for inflation data. We appplied a linear transformation in order to redefine the porcentual changes, as a consequence the initial period of each crisis has a value of zero.</a:t>
+                <a:t>  and </a:t>
+              </a:r>
+              <a:r>
+                <a:rPr lang="es-MX" sz="1200" dirty="0" err="1">
+                  <a:latin typeface="Roboto Condensed" pitchFamily="2" charset="0"/>
+                  <a:ea typeface="Roboto Condensed" pitchFamily="2" charset="0"/>
+                </a:rPr>
+                <a:t>inflation</a:t>
+              </a:r>
+              <a:r>
+                <a:rPr lang="es-MX" sz="1200" dirty="0">
+                  <a:latin typeface="Roboto Condensed" pitchFamily="2" charset="0"/>
+                  <a:ea typeface="Roboto Condensed" pitchFamily="2" charset="0"/>
+                </a:rPr>
+                <a:t> </a:t>
+              </a:r>
+              <a:r>
+                <a:rPr lang="es-MX" sz="1200" dirty="0" err="1">
+                  <a:latin typeface="Roboto Condensed" pitchFamily="2" charset="0"/>
+                  <a:ea typeface="Roboto Condensed" pitchFamily="2" charset="0"/>
+                </a:rPr>
+                <a:t>adjusted</a:t>
+              </a:r>
+              <a:r>
+                <a:rPr lang="es-MX" sz="1200" dirty="0">
+                  <a:latin typeface="Roboto Condensed" pitchFamily="2" charset="0"/>
+                  <a:ea typeface="Roboto Condensed" pitchFamily="2" charset="0"/>
+                </a:rPr>
+                <a:t> data. We appplied a linear transformation in order to redefine the porcentual </a:t>
+              </a:r>
+              <a:r>
+                <a:rPr lang="es-MX" sz="1200" dirty="0" err="1">
+                  <a:latin typeface="Roboto Condensed" pitchFamily="2" charset="0"/>
+                  <a:ea typeface="Roboto Condensed" pitchFamily="2" charset="0"/>
+                </a:rPr>
+                <a:t>changes</a:t>
+              </a:r>
+              <a:r>
+                <a:rPr lang="es-MX" sz="1200" dirty="0">
+                  <a:latin typeface="Roboto Condensed" pitchFamily="2" charset="0"/>
+                  <a:ea typeface="Roboto Condensed" pitchFamily="2" charset="0"/>
+                </a:rPr>
+                <a:t> and </a:t>
+              </a:r>
+              <a:r>
+                <a:rPr lang="es-MX" sz="1200" dirty="0" err="1">
+                  <a:latin typeface="Roboto Condensed" pitchFamily="2" charset="0"/>
+                  <a:ea typeface="Roboto Condensed" pitchFamily="2" charset="0"/>
+                </a:rPr>
+                <a:t>normalized</a:t>
+              </a:r>
+              <a:r>
+                <a:rPr lang="es-MX" sz="1200" dirty="0">
+                  <a:latin typeface="Roboto Condensed" pitchFamily="2" charset="0"/>
+                  <a:ea typeface="Roboto Condensed" pitchFamily="2" charset="0"/>
+                </a:rPr>
+                <a:t> </a:t>
+              </a:r>
+              <a:r>
+                <a:rPr lang="es-MX" sz="1200" dirty="0" err="1">
+                  <a:latin typeface="Roboto Condensed" pitchFamily="2" charset="0"/>
+                  <a:ea typeface="Roboto Condensed" pitchFamily="2" charset="0"/>
+                </a:rPr>
+                <a:t>the</a:t>
+              </a:r>
+              <a:r>
+                <a:rPr lang="es-MX" sz="1200" dirty="0">
+                  <a:latin typeface="Roboto Condensed" pitchFamily="2" charset="0"/>
+                  <a:ea typeface="Roboto Condensed" pitchFamily="2" charset="0"/>
+                </a:rPr>
+                <a:t> </a:t>
+              </a:r>
+              <a:r>
+                <a:rPr lang="es-MX" sz="1200" dirty="0" err="1">
+                  <a:latin typeface="Roboto Condensed" pitchFamily="2" charset="0"/>
+                  <a:ea typeface="Roboto Condensed" pitchFamily="2" charset="0"/>
+                </a:rPr>
+                <a:t>initial</a:t>
+              </a:r>
+              <a:r>
+                <a:rPr lang="es-MX" sz="1200" dirty="0">
+                  <a:latin typeface="Roboto Condensed" pitchFamily="2" charset="0"/>
+                  <a:ea typeface="Roboto Condensed" pitchFamily="2" charset="0"/>
+                </a:rPr>
+                <a:t> </a:t>
+              </a:r>
+              <a:r>
+                <a:rPr lang="es-MX" sz="1200" dirty="0" err="1">
+                  <a:latin typeface="Roboto Condensed" pitchFamily="2" charset="0"/>
+                  <a:ea typeface="Roboto Condensed" pitchFamily="2" charset="0"/>
+                </a:rPr>
+                <a:t>values</a:t>
+              </a:r>
+              <a:r>
+                <a:rPr lang="es-MX" sz="1200" dirty="0">
+                  <a:latin typeface="Roboto Condensed" pitchFamily="2" charset="0"/>
+                  <a:ea typeface="Roboto Condensed" pitchFamily="2" charset="0"/>
+                </a:rPr>
+                <a:t> </a:t>
+              </a:r>
+              <a:r>
+                <a:rPr lang="es-MX" sz="1200" dirty="0" err="1">
+                  <a:latin typeface="Roboto Condensed" pitchFamily="2" charset="0"/>
+                  <a:ea typeface="Roboto Condensed" pitchFamily="2" charset="0"/>
+                </a:rPr>
+                <a:t>of</a:t>
+              </a:r>
+              <a:r>
+                <a:rPr lang="es-MX" sz="1200" dirty="0">
+                  <a:latin typeface="Roboto Condensed" pitchFamily="2" charset="0"/>
+                  <a:ea typeface="Roboto Condensed" pitchFamily="2" charset="0"/>
+                </a:rPr>
+                <a:t> </a:t>
+              </a:r>
+              <a:r>
+                <a:rPr lang="es-MX" sz="1200" dirty="0" err="1">
+                  <a:latin typeface="Roboto Condensed" pitchFamily="2" charset="0"/>
+                  <a:ea typeface="Roboto Condensed" pitchFamily="2" charset="0"/>
+                </a:rPr>
+                <a:t>each</a:t>
+              </a:r>
+              <a:r>
+                <a:rPr lang="es-MX" sz="1200" dirty="0">
+                  <a:latin typeface="Roboto Condensed" pitchFamily="2" charset="0"/>
+                  <a:ea typeface="Roboto Condensed" pitchFamily="2" charset="0"/>
+                </a:rPr>
+                <a:t> crisis </a:t>
+              </a:r>
+              <a:r>
+                <a:rPr lang="es-MX" sz="1200" dirty="0" err="1">
+                  <a:latin typeface="Roboto Condensed" pitchFamily="2" charset="0"/>
+                  <a:ea typeface="Roboto Condensed" pitchFamily="2" charset="0"/>
+                </a:rPr>
+                <a:t>equal</a:t>
+              </a:r>
+              <a:r>
+                <a:rPr lang="es-MX" sz="1200" dirty="0">
+                  <a:latin typeface="Roboto Condensed" pitchFamily="2" charset="0"/>
+                  <a:ea typeface="Roboto Condensed" pitchFamily="2" charset="0"/>
+                </a:rPr>
+                <a:t> </a:t>
+              </a:r>
+              <a:r>
+                <a:rPr lang="es-MX" sz="1200" dirty="0" err="1">
+                  <a:latin typeface="Roboto Condensed" pitchFamily="2" charset="0"/>
+                  <a:ea typeface="Roboto Condensed" pitchFamily="2" charset="0"/>
+                </a:rPr>
+                <a:t>to</a:t>
+              </a:r>
+              <a:r>
+                <a:rPr lang="es-MX" sz="1200" dirty="0">
+                  <a:latin typeface="Roboto Condensed" pitchFamily="2" charset="0"/>
+                  <a:ea typeface="Roboto Condensed" pitchFamily="2" charset="0"/>
+                </a:rPr>
+                <a:t> </a:t>
+              </a:r>
+              <a:r>
+                <a:rPr lang="es-MX" sz="1200" dirty="0" err="1">
+                  <a:latin typeface="Roboto Condensed" pitchFamily="2" charset="0"/>
+                  <a:ea typeface="Roboto Condensed" pitchFamily="2" charset="0"/>
+                </a:rPr>
+                <a:t>zero</a:t>
+              </a:r>
+              <a:r>
+                <a:rPr lang="es-MX" sz="1200" dirty="0">
+                  <a:latin typeface="Roboto Condensed" pitchFamily="2" charset="0"/>
+                  <a:ea typeface="Roboto Condensed" pitchFamily="2" charset="0"/>
+                </a:rPr>
+                <a:t>.</a:t>
               </a:r>
             </a:p>
             <a:p>
@@ -4825,13 +5266,13 @@
                   <a:latin typeface="Roboto Condensed" pitchFamily="2" charset="0"/>
                   <a:ea typeface="Roboto Condensed" pitchFamily="2" charset="0"/>
                 </a:rPr>
-                <a:t>Karina Pérez, Sebastián Ocampo                                                         </a:t>
+                <a:t>Karina Pérez, Sebastián Ocampo                                                          </a:t>
               </a:r>
               <a:r>
                 <a:rPr lang="es-MX" sz="1200" dirty="0">
                   <a:solidFill>
                     <a:schemeClr val="bg2">
-                      <a:lumMod val="75000"/>
+                      <a:lumMod val="50000"/>
                     </a:schemeClr>
                   </a:solidFill>
                   <a:latin typeface="Roboto Condensed" pitchFamily="2" charset="0"/>
@@ -4863,7 +5304,7 @@
           </p:blipFill>
           <p:spPr>
             <a:xfrm>
-              <a:off x="2828925" y="4441553"/>
+              <a:off x="2809875" y="4555591"/>
               <a:ext cx="1361297" cy="536427"/>
             </a:xfrm>
             <a:prstGeom prst="rect">
@@ -4885,7 +5326,7 @@
           </p:nvSpPr>
           <p:spPr>
             <a:xfrm>
-              <a:off x="2995614" y="1353206"/>
+              <a:off x="2995614" y="1572281"/>
               <a:ext cx="1285874" cy="523219"/>
             </a:xfrm>
             <a:prstGeom prst="rect">
@@ -4939,7 +5380,7 @@
           </p:nvSpPr>
           <p:spPr>
             <a:xfrm>
-              <a:off x="7743825" y="1353206"/>
+              <a:off x="7810500" y="1534181"/>
               <a:ext cx="1285874" cy="523219"/>
             </a:xfrm>
             <a:prstGeom prst="rect">
@@ -4993,7 +5434,7 @@
           </p:nvSpPr>
           <p:spPr>
             <a:xfrm>
-              <a:off x="3133725" y="1419869"/>
+              <a:off x="3133725" y="1638944"/>
               <a:ext cx="1600201" cy="461665"/>
             </a:xfrm>
             <a:prstGeom prst="rect">
@@ -5065,7 +5506,7 @@
           </p:nvSpPr>
           <p:spPr>
             <a:xfrm>
-              <a:off x="7881936" y="1438919"/>
+              <a:off x="7881936" y="1657994"/>
               <a:ext cx="1600201" cy="461665"/>
             </a:xfrm>
             <a:prstGeom prst="rect">
@@ -5159,10 +5600,10 @@
       </p:grpSpPr>
       <p:pic>
         <p:nvPicPr>
-          <p:cNvPr id="2" name="Imagen 1">
-            <a:extLst>
-              <a:ext uri="{FF2B5EF4-FFF2-40B4-BE49-F238E27FC236}">
-                <a16:creationId xmlns:a16="http://schemas.microsoft.com/office/drawing/2014/main" id="{79C706FA-5934-4CBD-B9AA-5FC9F277C0DB}"/>
+          <p:cNvPr id="14" name="Imagen 13">
+            <a:extLst>
+              <a:ext uri="{FF2B5EF4-FFF2-40B4-BE49-F238E27FC236}">
+                <a16:creationId xmlns:a16="http://schemas.microsoft.com/office/drawing/2014/main" id="{EB1D508E-E96E-4B01-BC9C-C703EE4FB29B}"/>
               </a:ext>
             </a:extLst>
           </p:cNvPr>
@@ -5179,8 +5620,8 @@
         </p:blipFill>
         <p:spPr>
           <a:xfrm>
-            <a:off x="2154594" y="309865"/>
-            <a:ext cx="7882811" cy="6200169"/>
+            <a:off x="2154594" y="200128"/>
+            <a:ext cx="7882811" cy="6419644"/>
           </a:xfrm>
           <a:prstGeom prst="rect">
             <a:avLst/>

--- a/Off-Code Changes.pptx
+++ b/Off-Code Changes.pptx
@@ -119,7 +119,7 @@
 <file path=ppt/revisionInfo.xml><?xml version="1.0" encoding="utf-8"?>
 <p1510:revInfo xmlns:a="http://schemas.openxmlformats.org/drawingml/2006/main" xmlns:r="http://schemas.openxmlformats.org/officeDocument/2006/relationships" xmlns:p1510="http://schemas.microsoft.com/office/powerpoint/2015/10/main">
   <p1510:revLst>
-    <p1510:client id="{4DED4C8B-E1F7-467C-9A1B-B4461A6FEB3B}" v="20" dt="2021-05-25T02:07:57.630"/>
+    <p1510:client id="{4DED4C8B-E1F7-467C-9A1B-B4461A6FEB3B}" v="25" dt="2021-05-25T02:24:06.728"/>
   </p1510:revLst>
 </p1510:revInfo>
 </file>
@@ -129,18 +129,18 @@
   <pc:docChgLst>
     <pc:chgData name="Sebastian Ocampo Palacios" userId="2317f3a24a4e3b51" providerId="LiveId" clId="{4DED4C8B-E1F7-467C-9A1B-B4461A6FEB3B}"/>
     <pc:docChg chg="undo redo custSel addSld modSld sldOrd">
-      <pc:chgData name="Sebastian Ocampo Palacios" userId="2317f3a24a4e3b51" providerId="LiveId" clId="{4DED4C8B-E1F7-467C-9A1B-B4461A6FEB3B}" dt="2021-05-25T02:12:43.295" v="657" actId="1076"/>
+      <pc:chgData name="Sebastian Ocampo Palacios" userId="2317f3a24a4e3b51" providerId="LiveId" clId="{4DED4C8B-E1F7-467C-9A1B-B4461A6FEB3B}" dt="2021-05-25T02:24:10.162" v="677" actId="207"/>
       <pc:docMkLst>
         <pc:docMk/>
       </pc:docMkLst>
       <pc:sldChg chg="addSp delSp modSp mod">
-        <pc:chgData name="Sebastian Ocampo Palacios" userId="2317f3a24a4e3b51" providerId="LiveId" clId="{4DED4C8B-E1F7-467C-9A1B-B4461A6FEB3B}" dt="2021-05-25T02:07:50.080" v="652" actId="164"/>
+        <pc:chgData name="Sebastian Ocampo Palacios" userId="2317f3a24a4e3b51" providerId="LiveId" clId="{4DED4C8B-E1F7-467C-9A1B-B4461A6FEB3B}" dt="2021-05-25T02:23:58.710" v="671" actId="164"/>
         <pc:sldMkLst>
           <pc:docMk/>
           <pc:sldMk cId="2675530756" sldId="256"/>
         </pc:sldMkLst>
         <pc:spChg chg="add mod topLvl">
-          <ac:chgData name="Sebastian Ocampo Palacios" userId="2317f3a24a4e3b51" providerId="LiveId" clId="{4DED4C8B-E1F7-467C-9A1B-B4461A6FEB3B}" dt="2021-05-25T02:07:50.080" v="652" actId="164"/>
+          <ac:chgData name="Sebastian Ocampo Palacios" userId="2317f3a24a4e3b51" providerId="LiveId" clId="{4DED4C8B-E1F7-467C-9A1B-B4461A6FEB3B}" dt="2021-05-25T02:23:58.710" v="671" actId="164"/>
           <ac:spMkLst>
             <pc:docMk/>
             <pc:sldMk cId="2675530756" sldId="256"/>
@@ -148,7 +148,7 @@
           </ac:spMkLst>
         </pc:spChg>
         <pc:spChg chg="mod topLvl">
-          <ac:chgData name="Sebastian Ocampo Palacios" userId="2317f3a24a4e3b51" providerId="LiveId" clId="{4DED4C8B-E1F7-467C-9A1B-B4461A6FEB3B}" dt="2021-05-25T02:07:50.080" v="652" actId="164"/>
+          <ac:chgData name="Sebastian Ocampo Palacios" userId="2317f3a24a4e3b51" providerId="LiveId" clId="{4DED4C8B-E1F7-467C-9A1B-B4461A6FEB3B}" dt="2021-05-25T02:23:58.710" v="671" actId="164"/>
           <ac:spMkLst>
             <pc:docMk/>
             <pc:sldMk cId="2675530756" sldId="256"/>
@@ -156,7 +156,7 @@
           </ac:spMkLst>
         </pc:spChg>
         <pc:spChg chg="mod topLvl">
-          <ac:chgData name="Sebastian Ocampo Palacios" userId="2317f3a24a4e3b51" providerId="LiveId" clId="{4DED4C8B-E1F7-467C-9A1B-B4461A6FEB3B}" dt="2021-05-25T02:07:50.080" v="652" actId="164"/>
+          <ac:chgData name="Sebastian Ocampo Palacios" userId="2317f3a24a4e3b51" providerId="LiveId" clId="{4DED4C8B-E1F7-467C-9A1B-B4461A6FEB3B}" dt="2021-05-25T02:23:58.710" v="671" actId="164"/>
           <ac:spMkLst>
             <pc:docMk/>
             <pc:sldMk cId="2675530756" sldId="256"/>
@@ -164,7 +164,7 @@
           </ac:spMkLst>
         </pc:spChg>
         <pc:spChg chg="add mod ord topLvl">
-          <ac:chgData name="Sebastian Ocampo Palacios" userId="2317f3a24a4e3b51" providerId="LiveId" clId="{4DED4C8B-E1F7-467C-9A1B-B4461A6FEB3B}" dt="2021-05-25T02:07:50.080" v="652" actId="164"/>
+          <ac:chgData name="Sebastian Ocampo Palacios" userId="2317f3a24a4e3b51" providerId="LiveId" clId="{4DED4C8B-E1F7-467C-9A1B-B4461A6FEB3B}" dt="2021-05-25T02:23:58.710" v="671" actId="164"/>
           <ac:spMkLst>
             <pc:docMk/>
             <pc:sldMk cId="2675530756" sldId="256"/>
@@ -172,7 +172,7 @@
           </ac:spMkLst>
         </pc:spChg>
         <pc:spChg chg="add mod topLvl">
-          <ac:chgData name="Sebastian Ocampo Palacios" userId="2317f3a24a4e3b51" providerId="LiveId" clId="{4DED4C8B-E1F7-467C-9A1B-B4461A6FEB3B}" dt="2021-05-25T02:07:50.080" v="652" actId="164"/>
+          <ac:chgData name="Sebastian Ocampo Palacios" userId="2317f3a24a4e3b51" providerId="LiveId" clId="{4DED4C8B-E1F7-467C-9A1B-B4461A6FEB3B}" dt="2021-05-25T02:23:58.710" v="671" actId="164"/>
           <ac:spMkLst>
             <pc:docMk/>
             <pc:sldMk cId="2675530756" sldId="256"/>
@@ -180,7 +180,7 @@
           </ac:spMkLst>
         </pc:spChg>
         <pc:spChg chg="add mod topLvl">
-          <ac:chgData name="Sebastian Ocampo Palacios" userId="2317f3a24a4e3b51" providerId="LiveId" clId="{4DED4C8B-E1F7-467C-9A1B-B4461A6FEB3B}" dt="2021-05-25T02:07:50.080" v="652" actId="164"/>
+          <ac:chgData name="Sebastian Ocampo Palacios" userId="2317f3a24a4e3b51" providerId="LiveId" clId="{4DED4C8B-E1F7-467C-9A1B-B4461A6FEB3B}" dt="2021-05-25T02:23:58.710" v="671" actId="164"/>
           <ac:spMkLst>
             <pc:docMk/>
             <pc:sldMk cId="2675530756" sldId="256"/>
@@ -188,7 +188,7 @@
           </ac:spMkLst>
         </pc:spChg>
         <pc:spChg chg="mod topLvl">
-          <ac:chgData name="Sebastian Ocampo Palacios" userId="2317f3a24a4e3b51" providerId="LiveId" clId="{4DED4C8B-E1F7-467C-9A1B-B4461A6FEB3B}" dt="2021-05-25T02:07:50.080" v="652" actId="164"/>
+          <ac:chgData name="Sebastian Ocampo Palacios" userId="2317f3a24a4e3b51" providerId="LiveId" clId="{4DED4C8B-E1F7-467C-9A1B-B4461A6FEB3B}" dt="2021-05-25T02:23:58.710" v="671" actId="164"/>
           <ac:spMkLst>
             <pc:docMk/>
             <pc:sldMk cId="2675530756" sldId="256"/>
@@ -203,6 +203,14 @@
             <ac:grpSpMk id="3" creationId="{1BA8B7E1-DC5B-4C3C-8F13-4ACC3ECB93F4}"/>
           </ac:grpSpMkLst>
         </pc:grpChg>
+        <pc:grpChg chg="add mod">
+          <ac:chgData name="Sebastian Ocampo Palacios" userId="2317f3a24a4e3b51" providerId="LiveId" clId="{4DED4C8B-E1F7-467C-9A1B-B4461A6FEB3B}" dt="2021-05-25T02:23:58.710" v="671" actId="164"/>
+          <ac:grpSpMkLst>
+            <pc:docMk/>
+            <pc:sldMk cId="2675530756" sldId="256"/>
+            <ac:grpSpMk id="3" creationId="{52007406-A1DC-4BF0-A286-D9DDB6C6F621}"/>
+          </ac:grpSpMkLst>
+        </pc:grpChg>
         <pc:grpChg chg="add del mod">
           <ac:chgData name="Sebastian Ocampo Palacios" userId="2317f3a24a4e3b51" providerId="LiveId" clId="{4DED4C8B-E1F7-467C-9A1B-B4461A6FEB3B}" dt="2021-05-25T02:05:28.758" v="502" actId="165"/>
           <ac:grpSpMkLst>
@@ -211,8 +219,8 @@
             <ac:grpSpMk id="4" creationId="{AA77A5E4-4DA3-45DF-80E7-09CE1EE1EA05}"/>
           </ac:grpSpMkLst>
         </pc:grpChg>
-        <pc:grpChg chg="add mod">
-          <ac:chgData name="Sebastian Ocampo Palacios" userId="2317f3a24a4e3b51" providerId="LiveId" clId="{4DED4C8B-E1F7-467C-9A1B-B4461A6FEB3B}" dt="2021-05-25T02:07:50.080" v="652" actId="164"/>
+        <pc:grpChg chg="add del mod">
+          <ac:chgData name="Sebastian Ocampo Palacios" userId="2317f3a24a4e3b51" providerId="LiveId" clId="{4DED4C8B-E1F7-467C-9A1B-B4461A6FEB3B}" dt="2021-05-25T02:23:30.188" v="658" actId="165"/>
           <ac:grpSpMkLst>
             <pc:docMk/>
             <pc:sldMk cId="2675530756" sldId="256"/>
@@ -228,7 +236,7 @@
           </ac:grpSpMkLst>
         </pc:grpChg>
         <pc:picChg chg="mod topLvl modCrop">
-          <ac:chgData name="Sebastian Ocampo Palacios" userId="2317f3a24a4e3b51" providerId="LiveId" clId="{4DED4C8B-E1F7-467C-9A1B-B4461A6FEB3B}" dt="2021-05-25T02:07:50.080" v="652" actId="164"/>
+          <ac:chgData name="Sebastian Ocampo Palacios" userId="2317f3a24a4e3b51" providerId="LiveId" clId="{4DED4C8B-E1F7-467C-9A1B-B4461A6FEB3B}" dt="2021-05-25T02:23:58.710" v="671" actId="164"/>
           <ac:picMkLst>
             <pc:docMk/>
             <pc:sldMk cId="2675530756" sldId="256"/>
@@ -236,7 +244,7 @@
           </ac:picMkLst>
         </pc:picChg>
         <pc:picChg chg="mod topLvl modCrop">
-          <ac:chgData name="Sebastian Ocampo Palacios" userId="2317f3a24a4e3b51" providerId="LiveId" clId="{4DED4C8B-E1F7-467C-9A1B-B4461A6FEB3B}" dt="2021-05-25T02:07:50.080" v="652" actId="164"/>
+          <ac:chgData name="Sebastian Ocampo Palacios" userId="2317f3a24a4e3b51" providerId="LiveId" clId="{4DED4C8B-E1F7-467C-9A1B-B4461A6FEB3B}" dt="2021-05-25T02:23:58.710" v="671" actId="164"/>
           <ac:picMkLst>
             <pc:docMk/>
             <pc:sldMk cId="2675530756" sldId="256"/>
@@ -245,11 +253,19 @@
         </pc:picChg>
       </pc:sldChg>
       <pc:sldChg chg="addSp delSp modSp mod">
-        <pc:chgData name="Sebastian Ocampo Palacios" userId="2317f3a24a4e3b51" providerId="LiveId" clId="{4DED4C8B-E1F7-467C-9A1B-B4461A6FEB3B}" dt="2021-05-25T02:12:43.295" v="657" actId="1076"/>
+        <pc:chgData name="Sebastian Ocampo Palacios" userId="2317f3a24a4e3b51" providerId="LiveId" clId="{4DED4C8B-E1F7-467C-9A1B-B4461A6FEB3B}" dt="2021-05-25T02:24:10.162" v="677" actId="207"/>
         <pc:sldMkLst>
           <pc:docMk/>
           <pc:sldMk cId="128207752" sldId="258"/>
         </pc:sldMkLst>
+        <pc:spChg chg="mod">
+          <ac:chgData name="Sebastian Ocampo Palacios" userId="2317f3a24a4e3b51" providerId="LiveId" clId="{4DED4C8B-E1F7-467C-9A1B-B4461A6FEB3B}" dt="2021-05-25T02:24:03.104" v="674"/>
+          <ac:spMkLst>
+            <pc:docMk/>
+            <pc:sldMk cId="128207752" sldId="258"/>
+            <ac:spMk id="5" creationId="{060F1AD7-35BF-40AD-97DA-0BD60BCF0C0B}"/>
+          </ac:spMkLst>
+        </pc:spChg>
         <pc:spChg chg="mod">
           <ac:chgData name="Sebastian Ocampo Palacios" userId="2317f3a24a4e3b51" providerId="LiveId" clId="{4DED4C8B-E1F7-467C-9A1B-B4461A6FEB3B}" dt="2021-05-25T01:59:56.997" v="498"/>
           <ac:spMkLst>
@@ -264,6 +280,22 @@
             <pc:docMk/>
             <pc:sldMk cId="128207752" sldId="258"/>
             <ac:spMk id="6" creationId="{121B545A-99C3-4F2B-91B5-1B9447B3B8F5}"/>
+          </ac:spMkLst>
+        </pc:spChg>
+        <pc:spChg chg="mod">
+          <ac:chgData name="Sebastian Ocampo Palacios" userId="2317f3a24a4e3b51" providerId="LiveId" clId="{4DED4C8B-E1F7-467C-9A1B-B4461A6FEB3B}" dt="2021-05-25T02:24:03.104" v="674"/>
+          <ac:spMkLst>
+            <pc:docMk/>
+            <pc:sldMk cId="128207752" sldId="258"/>
+            <ac:spMk id="6" creationId="{C1CA6A50-1316-4321-BEE8-4EB9E44F9C33}"/>
+          </ac:spMkLst>
+        </pc:spChg>
+        <pc:spChg chg="mod">
+          <ac:chgData name="Sebastian Ocampo Palacios" userId="2317f3a24a4e3b51" providerId="LiveId" clId="{4DED4C8B-E1F7-467C-9A1B-B4461A6FEB3B}" dt="2021-05-25T02:24:03.104" v="674"/>
+          <ac:spMkLst>
+            <pc:docMk/>
+            <pc:sldMk cId="128207752" sldId="258"/>
+            <ac:spMk id="7" creationId="{9D3E2157-F62F-43D7-892E-84FF2759F236}"/>
           </ac:spMkLst>
         </pc:spChg>
         <pc:spChg chg="mod">
@@ -283,11 +315,27 @@
           </ac:spMkLst>
         </pc:spChg>
         <pc:spChg chg="mod">
+          <ac:chgData name="Sebastian Ocampo Palacios" userId="2317f3a24a4e3b51" providerId="LiveId" clId="{4DED4C8B-E1F7-467C-9A1B-B4461A6FEB3B}" dt="2021-05-25T02:24:03.104" v="674"/>
+          <ac:spMkLst>
+            <pc:docMk/>
+            <pc:sldMk cId="128207752" sldId="258"/>
+            <ac:spMk id="9" creationId="{91B3A7BF-230C-44A4-8BEB-C183970F1856}"/>
+          </ac:spMkLst>
+        </pc:spChg>
+        <pc:spChg chg="mod">
           <ac:chgData name="Sebastian Ocampo Palacios" userId="2317f3a24a4e3b51" providerId="LiveId" clId="{4DED4C8B-E1F7-467C-9A1B-B4461A6FEB3B}" dt="2021-05-25T01:59:56.997" v="498"/>
           <ac:spMkLst>
             <pc:docMk/>
             <pc:sldMk cId="128207752" sldId="258"/>
             <ac:spMk id="10" creationId="{6C229BB0-B524-4330-8325-8F6CFBED073E}"/>
+          </ac:spMkLst>
+        </pc:spChg>
+        <pc:spChg chg="mod">
+          <ac:chgData name="Sebastian Ocampo Palacios" userId="2317f3a24a4e3b51" providerId="LiveId" clId="{4DED4C8B-E1F7-467C-9A1B-B4461A6FEB3B}" dt="2021-05-25T02:24:03.104" v="674"/>
+          <ac:spMkLst>
+            <pc:docMk/>
+            <pc:sldMk cId="128207752" sldId="258"/>
+            <ac:spMk id="10" creationId="{F605D17B-4618-4A91-AD1F-4F522A6CAD4A}"/>
           </ac:spMkLst>
         </pc:spChg>
         <pc:spChg chg="mod">
@@ -299,6 +347,14 @@
           </ac:spMkLst>
         </pc:spChg>
         <pc:spChg chg="mod">
+          <ac:chgData name="Sebastian Ocampo Palacios" userId="2317f3a24a4e3b51" providerId="LiveId" clId="{4DED4C8B-E1F7-467C-9A1B-B4461A6FEB3B}" dt="2021-05-25T02:24:03.104" v="674"/>
+          <ac:spMkLst>
+            <pc:docMk/>
+            <pc:sldMk cId="128207752" sldId="258"/>
+            <ac:spMk id="11" creationId="{17C5388F-6E99-47F5-965E-24C578D37332}"/>
+          </ac:spMkLst>
+        </pc:spChg>
+        <pc:spChg chg="mod">
           <ac:chgData name="Sebastian Ocampo Palacios" userId="2317f3a24a4e3b51" providerId="LiveId" clId="{4DED4C8B-E1F7-467C-9A1B-B4461A6FEB3B}" dt="2021-05-25T01:59:56.997" v="498"/>
           <ac:spMkLst>
             <pc:docMk/>
@@ -306,6 +362,22 @@
             <ac:spMk id="12" creationId="{2C524763-B065-477D-ABCA-8215270D7096}"/>
           </ac:spMkLst>
         </pc:spChg>
+        <pc:spChg chg="mod">
+          <ac:chgData name="Sebastian Ocampo Palacios" userId="2317f3a24a4e3b51" providerId="LiveId" clId="{4DED4C8B-E1F7-467C-9A1B-B4461A6FEB3B}" dt="2021-05-25T02:24:03.104" v="674"/>
+          <ac:spMkLst>
+            <pc:docMk/>
+            <pc:sldMk cId="128207752" sldId="258"/>
+            <ac:spMk id="12" creationId="{4C4E9BE1-2AEE-4BDA-B214-46F1B2CE98B4}"/>
+          </ac:spMkLst>
+        </pc:spChg>
+        <pc:grpChg chg="add del mod">
+          <ac:chgData name="Sebastian Ocampo Palacios" userId="2317f3a24a4e3b51" providerId="LiveId" clId="{4DED4C8B-E1F7-467C-9A1B-B4461A6FEB3B}" dt="2021-05-25T02:24:03.752" v="675"/>
+          <ac:grpSpMkLst>
+            <pc:docMk/>
+            <pc:sldMk cId="128207752" sldId="258"/>
+            <ac:grpSpMk id="3" creationId="{11F82E1E-F18F-4E0D-9FB3-065882B32237}"/>
+          </ac:grpSpMkLst>
+        </pc:grpChg>
         <pc:grpChg chg="add del mod">
           <ac:chgData name="Sebastian Ocampo Palacios" userId="2317f3a24a4e3b51" providerId="LiveId" clId="{4DED4C8B-E1F7-467C-9A1B-B4461A6FEB3B}" dt="2021-05-25T01:59:58.134" v="499"/>
           <ac:grpSpMkLst>
@@ -314,12 +386,28 @@
             <ac:grpSpMk id="3" creationId="{1AD444FA-2B90-4AD6-9C6D-E34AA93D1C5D}"/>
           </ac:grpSpMkLst>
         </pc:grpChg>
+        <pc:picChg chg="add mod">
+          <ac:chgData name="Sebastian Ocampo Palacios" userId="2317f3a24a4e3b51" providerId="LiveId" clId="{4DED4C8B-E1F7-467C-9A1B-B4461A6FEB3B}" dt="2021-05-25T02:24:10.162" v="677" actId="207"/>
+          <ac:picMkLst>
+            <pc:docMk/>
+            <pc:sldMk cId="128207752" sldId="258"/>
+            <ac:picMk id="2" creationId="{27610434-D2E1-4A98-AE14-32BE714A79AD}"/>
+          </ac:picMkLst>
+        </pc:picChg>
         <pc:picChg chg="add del mod">
           <ac:chgData name="Sebastian Ocampo Palacios" userId="2317f3a24a4e3b51" providerId="LiveId" clId="{4DED4C8B-E1F7-467C-9A1B-B4461A6FEB3B}" dt="2021-05-25T01:59:56.813" v="497" actId="478"/>
           <ac:picMkLst>
             <pc:docMk/>
             <pc:sldMk cId="128207752" sldId="258"/>
             <ac:picMk id="2" creationId="{79C706FA-5934-4CBD-B9AA-5FC9F277C0DB}"/>
+          </ac:picMkLst>
+        </pc:picChg>
+        <pc:picChg chg="mod">
+          <ac:chgData name="Sebastian Ocampo Palacios" userId="2317f3a24a4e3b51" providerId="LiveId" clId="{4DED4C8B-E1F7-467C-9A1B-B4461A6FEB3B}" dt="2021-05-25T02:24:03.104" v="674"/>
+          <ac:picMkLst>
+            <pc:docMk/>
+            <pc:sldMk cId="128207752" sldId="258"/>
+            <ac:picMk id="4" creationId="{00DC5539-0C4D-4A1A-9DE5-64A5F6408559}"/>
           </ac:picMkLst>
         </pc:picChg>
         <pc:picChg chg="mod">
@@ -338,6 +426,14 @@
             <ac:picMk id="8" creationId="{0735DCC3-18B2-435B-B68B-1E1C4BC99007}"/>
           </ac:picMkLst>
         </pc:picChg>
+        <pc:picChg chg="mod">
+          <ac:chgData name="Sebastian Ocampo Palacios" userId="2317f3a24a4e3b51" providerId="LiveId" clId="{4DED4C8B-E1F7-467C-9A1B-B4461A6FEB3B}" dt="2021-05-25T02:24:03.104" v="674"/>
+          <ac:picMkLst>
+            <pc:docMk/>
+            <pc:sldMk cId="128207752" sldId="258"/>
+            <ac:picMk id="8" creationId="{9D942169-A41A-4F78-8D62-9682AC4C909A}"/>
+          </ac:picMkLst>
+        </pc:picChg>
         <pc:picChg chg="add del mod">
           <ac:chgData name="Sebastian Ocampo Palacios" userId="2317f3a24a4e3b51" providerId="LiveId" clId="{4DED4C8B-E1F7-467C-9A1B-B4461A6FEB3B}" dt="2021-05-25T02:07:54.014" v="654" actId="478"/>
           <ac:picMkLst>
@@ -346,8 +442,8 @@
             <ac:picMk id="13" creationId="{7A8611D1-8D30-42BD-95C9-C646DA92FD42}"/>
           </ac:picMkLst>
         </pc:picChg>
-        <pc:picChg chg="add mod">
-          <ac:chgData name="Sebastian Ocampo Palacios" userId="2317f3a24a4e3b51" providerId="LiveId" clId="{4DED4C8B-E1F7-467C-9A1B-B4461A6FEB3B}" dt="2021-05-25T02:12:43.295" v="657" actId="1076"/>
+        <pc:picChg chg="add del mod">
+          <ac:chgData name="Sebastian Ocampo Palacios" userId="2317f3a24a4e3b51" providerId="LiveId" clId="{4DED4C8B-E1F7-467C-9A1B-B4461A6FEB3B}" dt="2021-05-25T02:24:02.629" v="673" actId="478"/>
           <ac:picMkLst>
             <pc:docMk/>
             <pc:sldMk cId="128207752" sldId="258"/>
@@ -4716,10 +4812,10 @@
       </p:grpSpPr>
       <p:grpSp>
         <p:nvGrpSpPr>
-          <p:cNvPr id="7" name="Grupo 6">
-            <a:extLst>
-              <a:ext uri="{FF2B5EF4-FFF2-40B4-BE49-F238E27FC236}">
-                <a16:creationId xmlns:a16="http://schemas.microsoft.com/office/drawing/2014/main" id="{F49EB5B3-B3F1-4091-9316-77530E36B4C5}"/>
+          <p:cNvPr id="3" name="Grupo 2">
+            <a:extLst>
+              <a:ext uri="{FF2B5EF4-FFF2-40B4-BE49-F238E27FC236}">
+                <a16:creationId xmlns:a16="http://schemas.microsoft.com/office/drawing/2014/main" id="{52007406-A1DC-4BF0-A286-D9DDB6C6F621}"/>
               </a:ext>
             </a:extLst>
           </p:cNvPr>
@@ -5326,8 +5422,8 @@
           </p:nvSpPr>
           <p:spPr>
             <a:xfrm>
-              <a:off x="2995614" y="1572281"/>
-              <a:ext cx="1285874" cy="523219"/>
+              <a:off x="2995614" y="1496081"/>
+              <a:ext cx="1285874" cy="561319"/>
             </a:xfrm>
             <a:prstGeom prst="rect">
               <a:avLst/>
@@ -5434,7 +5530,7 @@
           </p:nvSpPr>
           <p:spPr>
             <a:xfrm>
-              <a:off x="3133725" y="1638944"/>
+              <a:off x="3133725" y="1648469"/>
               <a:ext cx="1600201" cy="461665"/>
             </a:xfrm>
             <a:prstGeom prst="rect">
@@ -5600,10 +5696,10 @@
       </p:grpSpPr>
       <p:pic>
         <p:nvPicPr>
-          <p:cNvPr id="14" name="Imagen 13">
-            <a:extLst>
-              <a:ext uri="{FF2B5EF4-FFF2-40B4-BE49-F238E27FC236}">
-                <a16:creationId xmlns:a16="http://schemas.microsoft.com/office/drawing/2014/main" id="{EB1D508E-E96E-4B01-BC9C-C703EE4FB29B}"/>
+          <p:cNvPr id="2" name="Imagen 1">
+            <a:extLst>
+              <a:ext uri="{FF2B5EF4-FFF2-40B4-BE49-F238E27FC236}">
+                <a16:creationId xmlns:a16="http://schemas.microsoft.com/office/drawing/2014/main" id="{27610434-D2E1-4A98-AE14-32BE714A79AD}"/>
               </a:ext>
             </a:extLst>
           </p:cNvPr>
@@ -5620,7 +5716,7 @@
         </p:blipFill>
         <p:spPr>
           <a:xfrm>
-            <a:off x="2154594" y="200128"/>
+            <a:off x="2154594" y="219178"/>
             <a:ext cx="7882811" cy="6419644"/>
           </a:xfrm>
           <a:prstGeom prst="rect">
